--- a/Study Buddy slide.pptx
+++ b/Study Buddy slide.pptx
@@ -5491,7 +5491,7 @@
         </p:spPr>
         <p:txBody>
           <a:bodyPr anchor="ctr">
-            <a:normAutofit/>
+            <a:normAutofit lnSpcReduction="10000"/>
           </a:bodyPr>
           <a:lstStyle/>
           <a:p>
@@ -5536,6 +5536,49 @@
               </a:rPr>
               <a:t>Tailored for students, this Python program offers essential math assistance and a range of features to boost learning. Set reminders, create flashcards, and improve math skills effortlessly for academic success.</a:t>
             </a:r>
+          </a:p>
+          <a:p>
+            <a:pPr>
+              <a:lnSpc>
+                <a:spcPct val="100000"/>
+              </a:lnSpc>
+            </a:pPr>
+            <a:r>
+              <a:rPr lang="en-US" sz="1050" dirty="0" err="1">
+                <a:hlinkClick r:id="rId2"/>
+              </a:rPr>
+              <a:t>ksu</a:t>
+            </a:r>
+            <a:r>
+              <a:rPr lang="en-US" sz="1050" dirty="0">
+                <a:hlinkClick r:id="rId2"/>
+              </a:rPr>
+              <a:t>-is/</a:t>
+            </a:r>
+            <a:r>
+              <a:rPr lang="en-US" sz="1050" dirty="0" err="1">
+                <a:hlinkClick r:id="rId2"/>
+              </a:rPr>
+              <a:t>StudyBuddy</a:t>
+            </a:r>
+            <a:r>
+              <a:rPr lang="en-US" sz="1050" dirty="0">
+                <a:hlinkClick r:id="rId2"/>
+              </a:rPr>
+              <a:t>: It is a software designed to revolutionize the way students can approach learning and studying. With its user- friendly interface and unique features, </a:t>
+            </a:r>
+            <a:r>
+              <a:rPr lang="en-US" sz="1050" dirty="0" err="1">
+                <a:hlinkClick r:id="rId2"/>
+              </a:rPr>
+              <a:t>StudyBuddy</a:t>
+            </a:r>
+            <a:r>
+              <a:rPr lang="en-US" sz="1050" dirty="0">
+                <a:hlinkClick r:id="rId2"/>
+              </a:rPr>
+              <a:t> aims to enhance students’ academic performance and productivity. (github.com)</a:t>
+            </a:r>
             <a:endParaRPr lang="en-US" sz="1200" kern="100" dirty="0">
               <a:effectLst/>
               <a:latin typeface="Times New Roman" panose="02020603050405020304" pitchFamily="18" charset="0"/>
@@ -5551,41 +5594,6 @@
             <a:extLst>
               <a:ext uri="{FF2B5EF4-FFF2-40B4-BE49-F238E27FC236}">
                 <a16:creationId xmlns:a16="http://schemas.microsoft.com/office/drawing/2014/main" id="{8B5F37F7-948B-2781-D205-AEC56234443E}"/>
-              </a:ext>
-            </a:extLst>
-          </p:cNvPr>
-          <p:cNvPicPr>
-            <a:picLocks noChangeAspect="1"/>
-          </p:cNvPicPr>
-          <p:nvPr/>
-        </p:nvPicPr>
-        <p:blipFill rotWithShape="1">
-          <a:blip r:embed="rId2">
-            <a:extLst>
-              <a:ext uri="{28A0092B-C50C-407E-A947-70E740481C1C}">
-                <a14:useLocalDpi xmlns:a14="http://schemas.microsoft.com/office/drawing/2010/main" val="0"/>
-              </a:ext>
-            </a:extLst>
-          </a:blip>
-          <a:srcRect l="-1" t="44677" r="67121" b="15666"/>
-          <a:stretch/>
-        </p:blipFill>
-        <p:spPr>
-          <a:xfrm>
-            <a:off x="557783" y="3058159"/>
-            <a:ext cx="5481509" cy="2826339"/>
-          </a:xfrm>
-          <a:prstGeom prst="rect">
-            <a:avLst/>
-          </a:prstGeom>
-        </p:spPr>
-      </p:pic>
-      <p:pic>
-        <p:nvPicPr>
-          <p:cNvPr id="4" name="Picture 3" descr="A black screen with yellow and green text&#10;&#10;Description automatically generated">
-            <a:extLst>
-              <a:ext uri="{FF2B5EF4-FFF2-40B4-BE49-F238E27FC236}">
-                <a16:creationId xmlns:a16="http://schemas.microsoft.com/office/drawing/2014/main" id="{2B69D42C-9ACD-55FF-ACD1-95F20316CD14}"/>
               </a:ext>
             </a:extLst>
           </p:cNvPr>
@@ -5596,6 +5604,41 @@
         </p:nvPicPr>
         <p:blipFill rotWithShape="1">
           <a:blip r:embed="rId3">
+            <a:extLst>
+              <a:ext uri="{28A0092B-C50C-407E-A947-70E740481C1C}">
+                <a14:useLocalDpi xmlns:a14="http://schemas.microsoft.com/office/drawing/2010/main" val="0"/>
+              </a:ext>
+            </a:extLst>
+          </a:blip>
+          <a:srcRect l="-1" t="44677" r="67121" b="15666"/>
+          <a:stretch/>
+        </p:blipFill>
+        <p:spPr>
+          <a:xfrm>
+            <a:off x="557783" y="3058159"/>
+            <a:ext cx="5481509" cy="2826339"/>
+          </a:xfrm>
+          <a:prstGeom prst="rect">
+            <a:avLst/>
+          </a:prstGeom>
+        </p:spPr>
+      </p:pic>
+      <p:pic>
+        <p:nvPicPr>
+          <p:cNvPr id="4" name="Picture 3" descr="A black screen with yellow and green text&#10;&#10;Description automatically generated">
+            <a:extLst>
+              <a:ext uri="{FF2B5EF4-FFF2-40B4-BE49-F238E27FC236}">
+                <a16:creationId xmlns:a16="http://schemas.microsoft.com/office/drawing/2014/main" id="{2B69D42C-9ACD-55FF-ACD1-95F20316CD14}"/>
+              </a:ext>
+            </a:extLst>
+          </p:cNvPr>
+          <p:cNvPicPr>
+            <a:picLocks noChangeAspect="1"/>
+          </p:cNvPicPr>
+          <p:nvPr/>
+        </p:nvPicPr>
+        <p:blipFill rotWithShape="1">
+          <a:blip r:embed="rId4">
             <a:extLst>
               <a:ext uri="{28A0092B-C50C-407E-A947-70E740481C1C}">
                 <a14:useLocalDpi xmlns:a14="http://schemas.microsoft.com/office/drawing/2010/main" val="0"/>
